--- a/Transmission Control Protocol.pptx
+++ b/Transmission Control Protocol.pptx
@@ -5,17 +5,23 @@
     <p:sldMasterId id="2147483660" r:id="rId1"/>
   </p:sldMasterIdLst>
   <p:notesMasterIdLst>
-    <p:notesMasterId r:id="rId10"/>
+    <p:notesMasterId r:id="rId16"/>
   </p:notesMasterIdLst>
   <p:sldIdLst>
     <p:sldId id="256" r:id="rId2"/>
     <p:sldId id="265" r:id="rId3"/>
     <p:sldId id="257" r:id="rId4"/>
     <p:sldId id="258" r:id="rId5"/>
-    <p:sldId id="263" r:id="rId6"/>
-    <p:sldId id="264" r:id="rId7"/>
-    <p:sldId id="266" r:id="rId8"/>
-    <p:sldId id="267" r:id="rId9"/>
+    <p:sldId id="268" r:id="rId6"/>
+    <p:sldId id="263" r:id="rId7"/>
+    <p:sldId id="273" r:id="rId8"/>
+    <p:sldId id="264" r:id="rId9"/>
+    <p:sldId id="269" r:id="rId10"/>
+    <p:sldId id="266" r:id="rId11"/>
+    <p:sldId id="270" r:id="rId12"/>
+    <p:sldId id="271" r:id="rId13"/>
+    <p:sldId id="272" r:id="rId14"/>
+    <p:sldId id="267" r:id="rId15"/>
   </p:sldIdLst>
   <p:sldSz cx="12192000" cy="6858000"/>
   <p:notesSz cx="6858000" cy="9144000"/>
@@ -114,6 +120,11 @@
       </a:defRPr>
     </a:lvl9pPr>
   </p:defaultTextStyle>
+  <p:extLst>
+    <p:ext uri="{EFAFB233-063F-42B5-8137-9DF3F51BA10A}">
+      <p15:sldGuideLst xmlns:p15="http://schemas.microsoft.com/office/powerpoint/2012/main"/>
+    </p:ext>
+  </p:extLst>
 </p:presentation>
 </file>
 
@@ -199,7 +210,7 @@
           <a:p>
             <a:fld id="{FACC17C2-EB94-4468-BFD8-2975164236C6}" type="datetimeFigureOut">
               <a:rPr lang="en-US" smtClean="0"/>
-              <a:t>2/25/2017</a:t>
+              <a:t>2/26/2017</a:t>
             </a:fld>
             <a:endParaRPr lang="en-US"/>
           </a:p>
@@ -886,7 +897,7 @@
           <a:p>
             <a:fld id="{B5124C5E-F767-43DC-8235-6624216D63BB}" type="datetime1">
               <a:rPr lang="en-US" smtClean="0"/>
-              <a:t>2/25/2017</a:t>
+              <a:t>2/26/2017</a:t>
             </a:fld>
             <a:endParaRPr lang="en-US"/>
           </a:p>
@@ -1974,7 +1985,7 @@
           <a:p>
             <a:fld id="{3AAE628C-9A86-443A-9231-727140E8A5D4}" type="datetime1">
               <a:rPr lang="en-US" smtClean="0"/>
-              <a:t>2/25/2017</a:t>
+              <a:t>2/26/2017</a:t>
             </a:fld>
             <a:endParaRPr lang="en-US"/>
           </a:p>
@@ -2954,7 +2965,7 @@
           <a:p>
             <a:fld id="{850832FF-2433-4A0A-85A8-6EEF305FCE18}" type="datetime1">
               <a:rPr lang="en-US" smtClean="0"/>
-              <a:t>2/25/2017</a:t>
+              <a:t>2/26/2017</a:t>
             </a:fld>
             <a:endParaRPr lang="en-US"/>
           </a:p>
@@ -4088,7 +4099,7 @@
           <a:p>
             <a:fld id="{8434A781-9EB4-4CC1-BFE4-4242798AF927}" type="datetime1">
               <a:rPr lang="en-US" smtClean="0"/>
-              <a:t>2/25/2017</a:t>
+              <a:t>2/26/2017</a:t>
             </a:fld>
             <a:endParaRPr lang="en-US"/>
           </a:p>
@@ -5121,7 +5132,7 @@
           <a:p>
             <a:fld id="{C4E8BF77-9DC1-4B8E-B6F6-D45E2613D814}" type="datetime1">
               <a:rPr lang="en-US" smtClean="0"/>
-              <a:t>2/25/2017</a:t>
+              <a:t>2/26/2017</a:t>
             </a:fld>
             <a:endParaRPr lang="en-US"/>
           </a:p>
@@ -5781,7 +5792,7 @@
           <a:p>
             <a:fld id="{9A6A879E-BA79-4D42-93EE-207D5569641A}" type="datetime1">
               <a:rPr lang="en-US" smtClean="0"/>
-              <a:t>2/25/2017</a:t>
+              <a:t>2/26/2017</a:t>
             </a:fld>
             <a:endParaRPr lang="en-US"/>
           </a:p>
@@ -6642,7 +6653,7 @@
           <a:p>
             <a:fld id="{A67BB243-EF3A-407E-A257-96B413AEB85E}" type="datetime1">
               <a:rPr lang="en-US" smtClean="0"/>
-              <a:t>2/25/2017</a:t>
+              <a:t>2/26/2017</a:t>
             </a:fld>
             <a:endParaRPr lang="en-US"/>
           </a:p>
@@ -6832,7 +6843,7 @@
           <a:p>
             <a:fld id="{5E30F1C2-DF12-4B04-B0B8-DE42B24A80E3}" type="datetime1">
               <a:rPr lang="en-US" smtClean="0"/>
-              <a:t>2/25/2017</a:t>
+              <a:t>2/26/2017</a:t>
             </a:fld>
             <a:endParaRPr lang="en-US"/>
           </a:p>
@@ -7804,7 +7815,7 @@
           <a:p>
             <a:fld id="{379985DC-A544-4F64-9AB4-FD5DDA1077F3}" type="datetime1">
               <a:rPr lang="en-US" smtClean="0"/>
-              <a:t>2/25/2017</a:t>
+              <a:t>2/26/2017</a:t>
             </a:fld>
             <a:endParaRPr lang="en-US"/>
           </a:p>
@@ -8015,7 +8026,7 @@
           <a:p>
             <a:fld id="{B7E40800-DC91-4E7F-9073-AACB368CE76B}" type="datetime1">
               <a:rPr lang="en-US" smtClean="0"/>
-              <a:t>2/25/2017</a:t>
+              <a:t>2/26/2017</a:t>
             </a:fld>
             <a:endParaRPr lang="en-US"/>
           </a:p>
@@ -9049,7 +9060,7 @@
           <a:p>
             <a:fld id="{6C63379F-4257-4F68-B163-13CC96DDC739}" type="datetime1">
               <a:rPr lang="en-US" smtClean="0"/>
-              <a:t>2/25/2017</a:t>
+              <a:t>2/26/2017</a:t>
             </a:fld>
             <a:endParaRPr lang="en-US"/>
           </a:p>
@@ -9321,7 +9332,7 @@
           <a:p>
             <a:fld id="{AEF4FD14-AE97-439E-8B4D-564AC6101D31}" type="datetime1">
               <a:rPr lang="en-US" smtClean="0"/>
-              <a:t>2/25/2017</a:t>
+              <a:t>2/26/2017</a:t>
             </a:fld>
             <a:endParaRPr lang="en-US"/>
           </a:p>
@@ -9731,7 +9742,7 @@
           <a:p>
             <a:fld id="{D6191E06-A04D-4A7B-A037-4BE975BBCC9D}" type="datetime1">
               <a:rPr lang="en-US" smtClean="0"/>
-              <a:t>2/25/2017</a:t>
+              <a:t>2/26/2017</a:t>
             </a:fld>
             <a:endParaRPr lang="en-US"/>
           </a:p>
@@ -9858,7 +9869,7 @@
           <a:p>
             <a:fld id="{BB1E6A4D-2039-4A58-8961-790BD56C1082}" type="datetime1">
               <a:rPr lang="en-US" smtClean="0"/>
-              <a:t>2/25/2017</a:t>
+              <a:t>2/26/2017</a:t>
             </a:fld>
             <a:endParaRPr lang="en-US"/>
           </a:p>
@@ -9953,7 +9964,7 @@
           <a:p>
             <a:fld id="{CC1991F7-FFC6-46E2-926D-B6539A6CD0C5}" type="datetime1">
               <a:rPr lang="en-US" smtClean="0"/>
-              <a:t>2/25/2017</a:t>
+              <a:t>2/26/2017</a:t>
             </a:fld>
             <a:endParaRPr lang="en-US"/>
           </a:p>
@@ -11034,7 +11045,7 @@
           <a:p>
             <a:fld id="{EF9535FD-D3D9-440D-A494-7CDE504CC3F1}" type="datetime1">
               <a:rPr lang="en-US" smtClean="0"/>
-              <a:t>2/25/2017</a:t>
+              <a:t>2/26/2017</a:t>
             </a:fld>
             <a:endParaRPr lang="en-US"/>
           </a:p>
@@ -12142,7 +12153,7 @@
           <a:p>
             <a:fld id="{657F4ACA-2B84-4E1B-B294-261CE6812F56}" type="datetime1">
               <a:rPr lang="en-US" smtClean="0"/>
-              <a:t>2/25/2017</a:t>
+              <a:t>2/26/2017</a:t>
             </a:fld>
             <a:endParaRPr lang="en-US"/>
           </a:p>
@@ -13139,7 +13150,7 @@
           <a:p>
             <a:fld id="{7B7B9DC6-C45D-42D1-AB73-A3C420FEEE1C}" type="datetime1">
               <a:rPr lang="en-US" smtClean="0"/>
-              <a:t>2/25/2017</a:t>
+              <a:t>2/26/2017</a:t>
             </a:fld>
             <a:endParaRPr lang="en-US"/>
           </a:p>
@@ -13750,34 +13761,34 @@
           <a:lstStyle/>
           <a:p>
             <a:r>
-              <a:rPr lang="en-US" dirty="0" smtClean="0"/>
+              <a:rPr lang="en-US" sz="2000" dirty="0" smtClean="0"/>
               <a:t>Presented By:</a:t>
             </a:r>
           </a:p>
           <a:p>
             <a:r>
-              <a:rPr lang="en-US" dirty="0" smtClean="0"/>
+              <a:rPr lang="en-US" sz="2000" dirty="0" smtClean="0"/>
               <a:t>Sabin Nepal</a:t>
             </a:r>
           </a:p>
           <a:p>
             <a:r>
-              <a:rPr lang="en-US" dirty="0" smtClean="0"/>
+              <a:rPr lang="en-US" sz="2000" dirty="0" smtClean="0"/>
               <a:t>Rajan Bhattarai</a:t>
             </a:r>
           </a:p>
           <a:p>
             <a:r>
-              <a:rPr lang="en-US" dirty="0" smtClean="0"/>
+              <a:rPr lang="en-US" sz="2000" dirty="0" smtClean="0"/>
               <a:t>Achut Dahal</a:t>
             </a:r>
           </a:p>
           <a:p>
             <a:r>
-              <a:rPr lang="en-US" dirty="0" smtClean="0"/>
+              <a:rPr lang="en-US" sz="2000" dirty="0" smtClean="0"/>
               <a:t>Aruna Shrestha</a:t>
             </a:r>
-            <a:endParaRPr lang="en-US" dirty="0"/>
+            <a:endParaRPr lang="en-US" sz="2000" dirty="0"/>
           </a:p>
         </p:txBody>
       </p:sp>
@@ -13785,6 +13796,811 @@
     <p:extLst>
       <p:ext uri="{BB962C8B-B14F-4D97-AF65-F5344CB8AC3E}">
         <p14:creationId xmlns:p14="http://schemas.microsoft.com/office/powerpoint/2010/main" val="1493136965"/>
+      </p:ext>
+    </p:extLst>
+  </p:cSld>
+  <p:clrMapOvr>
+    <a:masterClrMapping/>
+  </p:clrMapOvr>
+  <p:timing>
+    <p:tnLst>
+      <p:par>
+        <p:cTn id="1" dur="indefinite" restart="never" nodeType="tmRoot"/>
+      </p:par>
+    </p:tnLst>
+  </p:timing>
+</p:sld>
+</file>
+
+<file path=ppt/slides/slide10.xml><?xml version="1.0" encoding="utf-8"?>
+<p:sld xmlns:a="http://schemas.openxmlformats.org/drawingml/2006/main" xmlns:r="http://schemas.openxmlformats.org/officeDocument/2006/relationships" xmlns:p="http://schemas.openxmlformats.org/presentationml/2006/main">
+  <p:cSld>
+    <p:spTree>
+      <p:nvGrpSpPr>
+        <p:cNvPr id="1" name=""/>
+        <p:cNvGrpSpPr/>
+        <p:nvPr/>
+      </p:nvGrpSpPr>
+      <p:grpSpPr>
+        <a:xfrm>
+          <a:off x="0" y="0"/>
+          <a:ext cx="0" cy="0"/>
+          <a:chOff x="0" y="0"/>
+          <a:chExt cx="0" cy="0"/>
+        </a:xfrm>
+      </p:grpSpPr>
+      <p:sp>
+        <p:nvSpPr>
+          <p:cNvPr id="2" name="Title 1"/>
+          <p:cNvSpPr>
+            <a:spLocks noGrp="1"/>
+          </p:cNvSpPr>
+          <p:nvPr>
+            <p:ph type="title"/>
+          </p:nvPr>
+        </p:nvSpPr>
+        <p:spPr/>
+        <p:txBody>
+          <a:bodyPr/>
+          <a:lstStyle/>
+          <a:p>
+            <a:r>
+              <a:rPr lang="en-US" dirty="0" smtClean="0"/>
+              <a:t>Connection termination</a:t>
+            </a:r>
+            <a:endParaRPr lang="en-US" dirty="0"/>
+          </a:p>
+        </p:txBody>
+      </p:sp>
+      <p:sp>
+        <p:nvSpPr>
+          <p:cNvPr id="4" name="Slide Number Placeholder 3"/>
+          <p:cNvSpPr>
+            <a:spLocks noGrp="1"/>
+          </p:cNvSpPr>
+          <p:nvPr>
+            <p:ph type="sldNum" sz="quarter" idx="12"/>
+          </p:nvPr>
+        </p:nvSpPr>
+        <p:spPr/>
+        <p:txBody>
+          <a:bodyPr/>
+          <a:lstStyle/>
+          <a:p>
+            <a:fld id="{7EA0B6BF-52FF-45C8-9CC2-14C7E267A420}" type="slidenum">
+              <a:rPr lang="en-US" smtClean="0"/>
+              <a:t>10</a:t>
+            </a:fld>
+            <a:endParaRPr lang="en-US"/>
+          </a:p>
+        </p:txBody>
+      </p:sp>
+      <p:sp>
+        <p:nvSpPr>
+          <p:cNvPr id="3" name="Content Placeholder 2"/>
+          <p:cNvSpPr>
+            <a:spLocks noGrp="1"/>
+          </p:cNvSpPr>
+          <p:nvPr>
+            <p:ph idx="1"/>
+          </p:nvPr>
+        </p:nvSpPr>
+        <p:spPr>
+          <a:xfrm>
+            <a:off x="1154954" y="2603499"/>
+            <a:ext cx="10500426" cy="3990483"/>
+          </a:xfrm>
+        </p:spPr>
+        <p:txBody>
+          <a:bodyPr/>
+          <a:lstStyle/>
+          <a:p>
+            <a:r>
+              <a:rPr lang="en-US" dirty="0"/>
+              <a:t>FIN</a:t>
+            </a:r>
+          </a:p>
+          <a:p>
+            <a:pPr lvl="1"/>
+            <a:r>
+              <a:rPr lang="en-US" dirty="0"/>
+              <a:t>Consumes 1 sequence no</a:t>
+            </a:r>
+          </a:p>
+          <a:p>
+            <a:pPr lvl="1"/>
+            <a:r>
+              <a:rPr lang="en-US" dirty="0"/>
+              <a:t>May or may not consume data</a:t>
+            </a:r>
+          </a:p>
+          <a:p>
+            <a:r>
+              <a:rPr lang="en-US" dirty="0"/>
+              <a:t>FIN+ACK</a:t>
+            </a:r>
+          </a:p>
+          <a:p>
+            <a:pPr lvl="1"/>
+            <a:r>
+              <a:rPr lang="en-US" dirty="0"/>
+              <a:t>Consumes 1 sequence no</a:t>
+            </a:r>
+          </a:p>
+          <a:p>
+            <a:pPr lvl="1"/>
+            <a:r>
+              <a:rPr lang="en-US" dirty="0"/>
+              <a:t>FIN announce closing of connection In other </a:t>
+            </a:r>
+          </a:p>
+          <a:p>
+            <a:pPr marL="457200" lvl="1" indent="0">
+              <a:buNone/>
+            </a:pPr>
+            <a:r>
+              <a:rPr lang="en-US" dirty="0"/>
+              <a:t>Direction and ACK for received FIN</a:t>
+            </a:r>
+          </a:p>
+          <a:p>
+            <a:r>
+              <a:rPr lang="en-US" dirty="0"/>
+              <a:t>ACK	</a:t>
+            </a:r>
+          </a:p>
+          <a:p>
+            <a:pPr lvl="1"/>
+            <a:r>
+              <a:rPr lang="en-US" dirty="0"/>
+              <a:t>Does not consume any sequence no</a:t>
+            </a:r>
+          </a:p>
+          <a:p>
+            <a:pPr marL="0" indent="0">
+              <a:buNone/>
+            </a:pPr>
+            <a:endParaRPr lang="en-US" dirty="0"/>
+          </a:p>
+        </p:txBody>
+      </p:sp>
+      <p:pic>
+        <p:nvPicPr>
+          <p:cNvPr id="6" name="Content Placeholder 4" descr="2.PNG"/>
+          <p:cNvPicPr>
+            <a:picLocks noChangeAspect="1"/>
+          </p:cNvPicPr>
+          <p:nvPr/>
+        </p:nvPicPr>
+        <p:blipFill>
+          <a:blip r:embed="rId2">
+            <a:extLst>
+              <a:ext uri="{28A0092B-C50C-407E-A947-70E740481C1C}">
+                <a14:useLocalDpi xmlns:a14="http://schemas.microsoft.com/office/drawing/2010/main" val="0"/>
+              </a:ext>
+            </a:extLst>
+          </a:blip>
+          <a:srcRect/>
+          <a:stretch>
+            <a:fillRect/>
+          </a:stretch>
+        </p:blipFill>
+        <p:spPr bwMode="auto">
+          <a:xfrm>
+            <a:off x="7366715" y="2558422"/>
+            <a:ext cx="4430332" cy="4080635"/>
+          </a:xfrm>
+          <a:prstGeom prst="rect">
+            <a:avLst/>
+          </a:prstGeom>
+          <a:noFill/>
+          <a:ln>
+            <a:noFill/>
+          </a:ln>
+          <a:extLst>
+            <a:ext uri="{909E8E84-426E-40DD-AFC4-6F175D3DCCD1}">
+              <a14:hiddenFill xmlns:a14="http://schemas.microsoft.com/office/drawing/2010/main">
+                <a:solidFill>
+                  <a:srgbClr val="FFFFFF"/>
+                </a:solidFill>
+              </a14:hiddenFill>
+            </a:ext>
+            <a:ext uri="{91240B29-F687-4F45-9708-019B960494DF}">
+              <a14:hiddenLine xmlns:a14="http://schemas.microsoft.com/office/drawing/2010/main" w="9525">
+                <a:solidFill>
+                  <a:srgbClr val="000000"/>
+                </a:solidFill>
+                <a:miter lim="800000"/>
+                <a:headEnd/>
+                <a:tailEnd/>
+              </a14:hiddenLine>
+            </a:ext>
+          </a:extLst>
+        </p:spPr>
+      </p:pic>
+    </p:spTree>
+    <p:extLst>
+      <p:ext uri="{BB962C8B-B14F-4D97-AF65-F5344CB8AC3E}">
+        <p14:creationId xmlns:p14="http://schemas.microsoft.com/office/powerpoint/2010/main" val="3899296776"/>
+      </p:ext>
+    </p:extLst>
+  </p:cSld>
+  <p:clrMapOvr>
+    <a:masterClrMapping/>
+  </p:clrMapOvr>
+  <p:timing>
+    <p:tnLst>
+      <p:par>
+        <p:cTn id="1" dur="indefinite" restart="never" nodeType="tmRoot"/>
+      </p:par>
+    </p:tnLst>
+  </p:timing>
+</p:sld>
+</file>
+
+<file path=ppt/slides/slide11.xml><?xml version="1.0" encoding="utf-8"?>
+<p:sld xmlns:a="http://schemas.openxmlformats.org/drawingml/2006/main" xmlns:r="http://schemas.openxmlformats.org/officeDocument/2006/relationships" xmlns:p="http://schemas.openxmlformats.org/presentationml/2006/main">
+  <p:cSld>
+    <p:spTree>
+      <p:nvGrpSpPr>
+        <p:cNvPr id="1" name=""/>
+        <p:cNvGrpSpPr/>
+        <p:nvPr/>
+      </p:nvGrpSpPr>
+      <p:grpSpPr>
+        <a:xfrm>
+          <a:off x="0" y="0"/>
+          <a:ext cx="0" cy="0"/>
+          <a:chOff x="0" y="0"/>
+          <a:chExt cx="0" cy="0"/>
+        </a:xfrm>
+      </p:grpSpPr>
+      <p:sp>
+        <p:nvSpPr>
+          <p:cNvPr id="2" name="Title 1"/>
+          <p:cNvSpPr>
+            <a:spLocks noGrp="1"/>
+          </p:cNvSpPr>
+          <p:nvPr>
+            <p:ph type="title"/>
+          </p:nvPr>
+        </p:nvSpPr>
+        <p:spPr/>
+        <p:txBody>
+          <a:bodyPr/>
+          <a:lstStyle/>
+          <a:p>
+            <a:r>
+              <a:rPr lang="en-US" dirty="0" smtClean="0"/>
+              <a:t>Flow Control</a:t>
+            </a:r>
+            <a:endParaRPr lang="en-US" dirty="0"/>
+          </a:p>
+        </p:txBody>
+      </p:sp>
+      <p:sp>
+        <p:nvSpPr>
+          <p:cNvPr id="3" name="Content Placeholder 2"/>
+          <p:cNvSpPr>
+            <a:spLocks noGrp="1"/>
+          </p:cNvSpPr>
+          <p:nvPr>
+            <p:ph idx="1"/>
+          </p:nvPr>
+        </p:nvSpPr>
+        <p:spPr/>
+        <p:txBody>
+          <a:bodyPr/>
+          <a:lstStyle/>
+          <a:p>
+            <a:r>
+              <a:rPr lang="en-US" dirty="0"/>
+              <a:t>TCP uses sliding window to handle flow control</a:t>
+            </a:r>
+          </a:p>
+          <a:p>
+            <a:r>
+              <a:rPr lang="en-US" dirty="0"/>
+              <a:t>Technique to properly match the transmission rate of the sender to that of the receiver and network</a:t>
+            </a:r>
+          </a:p>
+          <a:p>
+            <a:endParaRPr lang="en-US" dirty="0"/>
+          </a:p>
+        </p:txBody>
+      </p:sp>
+      <p:sp>
+        <p:nvSpPr>
+          <p:cNvPr id="4" name="Slide Number Placeholder 3"/>
+          <p:cNvSpPr>
+            <a:spLocks noGrp="1"/>
+          </p:cNvSpPr>
+          <p:nvPr>
+            <p:ph type="sldNum" sz="quarter" idx="12"/>
+          </p:nvPr>
+        </p:nvSpPr>
+        <p:spPr/>
+        <p:txBody>
+          <a:bodyPr/>
+          <a:lstStyle/>
+          <a:p>
+            <a:fld id="{7EA0B6BF-52FF-45C8-9CC2-14C7E267A420}" type="slidenum">
+              <a:rPr lang="en-US" smtClean="0"/>
+              <a:t>11</a:t>
+            </a:fld>
+            <a:endParaRPr lang="en-US"/>
+          </a:p>
+        </p:txBody>
+      </p:sp>
+      <p:pic>
+        <p:nvPicPr>
+          <p:cNvPr id="6" name="Picture 5" descr="C:\Users\sonu\Desktop\ppt\flowctrl.png"/>
+          <p:cNvPicPr>
+            <a:picLocks noChangeAspect="1" noChangeArrowheads="1"/>
+          </p:cNvPicPr>
+          <p:nvPr/>
+        </p:nvPicPr>
+        <p:blipFill>
+          <a:blip r:embed="rId2">
+            <a:extLst>
+              <a:ext uri="{28A0092B-C50C-407E-A947-70E740481C1C}">
+                <a14:useLocalDpi xmlns:a14="http://schemas.microsoft.com/office/drawing/2010/main" val="0"/>
+              </a:ext>
+            </a:extLst>
+          </a:blip>
+          <a:srcRect/>
+          <a:stretch>
+            <a:fillRect/>
+          </a:stretch>
+        </p:blipFill>
+        <p:spPr bwMode="auto">
+          <a:xfrm>
+            <a:off x="2794056" y="3696238"/>
+            <a:ext cx="6736310" cy="2633730"/>
+          </a:xfrm>
+          <a:prstGeom prst="rect">
+            <a:avLst/>
+          </a:prstGeom>
+          <a:noFill/>
+          <a:extLst>
+            <a:ext uri="{909E8E84-426E-40DD-AFC4-6F175D3DCCD1}">
+              <a14:hiddenFill xmlns:a14="http://schemas.microsoft.com/office/drawing/2010/main">
+                <a:solidFill>
+                  <a:srgbClr val="FFFFFF"/>
+                </a:solidFill>
+              </a14:hiddenFill>
+            </a:ext>
+          </a:extLst>
+        </p:spPr>
+      </p:pic>
+    </p:spTree>
+    <p:extLst>
+      <p:ext uri="{BB962C8B-B14F-4D97-AF65-F5344CB8AC3E}">
+        <p14:creationId xmlns:p14="http://schemas.microsoft.com/office/powerpoint/2010/main" val="3680385835"/>
+      </p:ext>
+    </p:extLst>
+  </p:cSld>
+  <p:clrMapOvr>
+    <a:masterClrMapping/>
+  </p:clrMapOvr>
+</p:sld>
+</file>
+
+<file path=ppt/slides/slide12.xml><?xml version="1.0" encoding="utf-8"?>
+<p:sld xmlns:a="http://schemas.openxmlformats.org/drawingml/2006/main" xmlns:r="http://schemas.openxmlformats.org/officeDocument/2006/relationships" xmlns:p="http://schemas.openxmlformats.org/presentationml/2006/main">
+  <p:cSld>
+    <p:spTree>
+      <p:nvGrpSpPr>
+        <p:cNvPr id="1" name=""/>
+        <p:cNvGrpSpPr/>
+        <p:nvPr/>
+      </p:nvGrpSpPr>
+      <p:grpSpPr>
+        <a:xfrm>
+          <a:off x="0" y="0"/>
+          <a:ext cx="0" cy="0"/>
+          <a:chOff x="0" y="0"/>
+          <a:chExt cx="0" cy="0"/>
+        </a:xfrm>
+      </p:grpSpPr>
+      <p:sp>
+        <p:nvSpPr>
+          <p:cNvPr id="2" name="Title 1"/>
+          <p:cNvSpPr>
+            <a:spLocks noGrp="1"/>
+          </p:cNvSpPr>
+          <p:nvPr>
+            <p:ph type="title"/>
+          </p:nvPr>
+        </p:nvSpPr>
+        <p:spPr/>
+        <p:txBody>
+          <a:bodyPr/>
+          <a:lstStyle/>
+          <a:p>
+            <a:r>
+              <a:rPr lang="en-US" dirty="0" smtClean="0"/>
+              <a:t>Error Control</a:t>
+            </a:r>
+            <a:endParaRPr lang="en-US" dirty="0"/>
+          </a:p>
+        </p:txBody>
+      </p:sp>
+      <p:sp>
+        <p:nvSpPr>
+          <p:cNvPr id="3" name="Content Placeholder 2"/>
+          <p:cNvSpPr>
+            <a:spLocks noGrp="1"/>
+          </p:cNvSpPr>
+          <p:nvPr>
+            <p:ph idx="1"/>
+          </p:nvPr>
+        </p:nvSpPr>
+        <p:spPr>
+          <a:xfrm>
+            <a:off x="463640" y="2343955"/>
+            <a:ext cx="10547798" cy="4250028"/>
+          </a:xfrm>
+        </p:spPr>
+        <p:txBody>
+          <a:bodyPr/>
+          <a:lstStyle/>
+          <a:p>
+            <a:r>
+              <a:rPr lang="en-US" sz="2400" dirty="0"/>
+              <a:t>Error detection and correction is achieved of three simple tools	</a:t>
+            </a:r>
+          </a:p>
+          <a:p>
+            <a:pPr lvl="1"/>
+            <a:r>
+              <a:rPr lang="en-US" sz="2400" dirty="0"/>
+              <a:t>Checksum</a:t>
+            </a:r>
+          </a:p>
+          <a:p>
+            <a:pPr lvl="2"/>
+            <a:r>
+              <a:rPr lang="en-US" sz="2200" dirty="0"/>
+              <a:t>Includes 16-bit checksum in every segment which is used to check for corrupt segment</a:t>
+            </a:r>
+          </a:p>
+          <a:p>
+            <a:pPr lvl="2"/>
+            <a:r>
+              <a:rPr lang="en-US" sz="2200" dirty="0"/>
+              <a:t>If corrupted, it is discarded by destination TCP and is considered lost</a:t>
+            </a:r>
+            <a:endParaRPr lang="en-US" sz="2400" dirty="0"/>
+          </a:p>
+          <a:p>
+            <a:pPr lvl="1"/>
+            <a:r>
+              <a:rPr lang="en-US" sz="2400" dirty="0"/>
+              <a:t>Acknowledgement</a:t>
+            </a:r>
+          </a:p>
+          <a:p>
+            <a:pPr lvl="2"/>
+            <a:r>
+              <a:rPr lang="en-US" sz="2200" dirty="0"/>
+              <a:t>TCP uses acknowledgement to confirm the receipt of data segments</a:t>
+            </a:r>
+          </a:p>
+          <a:p>
+            <a:pPr lvl="1"/>
+            <a:endParaRPr lang="en-US" sz="2400" dirty="0"/>
+          </a:p>
+          <a:p>
+            <a:pPr lvl="1"/>
+            <a:endParaRPr lang="en-US" sz="2400" dirty="0"/>
+          </a:p>
+          <a:p>
+            <a:endParaRPr lang="en-US" dirty="0"/>
+          </a:p>
+        </p:txBody>
+      </p:sp>
+      <p:sp>
+        <p:nvSpPr>
+          <p:cNvPr id="4" name="Slide Number Placeholder 3"/>
+          <p:cNvSpPr>
+            <a:spLocks noGrp="1"/>
+          </p:cNvSpPr>
+          <p:nvPr>
+            <p:ph type="sldNum" sz="quarter" idx="12"/>
+          </p:nvPr>
+        </p:nvSpPr>
+        <p:spPr/>
+        <p:txBody>
+          <a:bodyPr/>
+          <a:lstStyle/>
+          <a:p>
+            <a:fld id="{7EA0B6BF-52FF-45C8-9CC2-14C7E267A420}" type="slidenum">
+              <a:rPr lang="en-US" smtClean="0"/>
+              <a:t>12</a:t>
+            </a:fld>
+            <a:endParaRPr lang="en-US"/>
+          </a:p>
+        </p:txBody>
+      </p:sp>
+    </p:spTree>
+    <p:extLst>
+      <p:ext uri="{BB962C8B-B14F-4D97-AF65-F5344CB8AC3E}">
+        <p14:creationId xmlns:p14="http://schemas.microsoft.com/office/powerpoint/2010/main" val="2007366379"/>
+      </p:ext>
+    </p:extLst>
+  </p:cSld>
+  <p:clrMapOvr>
+    <a:masterClrMapping/>
+  </p:clrMapOvr>
+</p:sld>
+</file>
+
+<file path=ppt/slides/slide13.xml><?xml version="1.0" encoding="utf-8"?>
+<p:sld xmlns:a="http://schemas.openxmlformats.org/drawingml/2006/main" xmlns:r="http://schemas.openxmlformats.org/officeDocument/2006/relationships" xmlns:p="http://schemas.openxmlformats.org/presentationml/2006/main">
+  <p:cSld>
+    <p:spTree>
+      <p:nvGrpSpPr>
+        <p:cNvPr id="1" name=""/>
+        <p:cNvGrpSpPr/>
+        <p:nvPr/>
+      </p:nvGrpSpPr>
+      <p:grpSpPr>
+        <a:xfrm>
+          <a:off x="0" y="0"/>
+          <a:ext cx="0" cy="0"/>
+          <a:chOff x="0" y="0"/>
+          <a:chExt cx="0" cy="0"/>
+        </a:xfrm>
+      </p:grpSpPr>
+      <p:sp>
+        <p:nvSpPr>
+          <p:cNvPr id="3" name="Content Placeholder 2"/>
+          <p:cNvSpPr>
+            <a:spLocks noGrp="1"/>
+          </p:cNvSpPr>
+          <p:nvPr>
+            <p:ph idx="1"/>
+          </p:nvPr>
+        </p:nvSpPr>
+        <p:spPr>
+          <a:xfrm>
+            <a:off x="1154954" y="2318197"/>
+            <a:ext cx="9521632" cy="4539803"/>
+          </a:xfrm>
+        </p:spPr>
+        <p:txBody>
+          <a:bodyPr/>
+          <a:lstStyle/>
+          <a:p>
+            <a:pPr lvl="1" algn="just"/>
+            <a:r>
+              <a:rPr lang="en-US" sz="1800" dirty="0"/>
+              <a:t>ACK segments are never acknowledged</a:t>
+            </a:r>
+          </a:p>
+          <a:p>
+            <a:r>
+              <a:rPr lang="en-US" dirty="0"/>
+              <a:t>Retransmission</a:t>
+            </a:r>
+          </a:p>
+          <a:p>
+            <a:pPr lvl="1"/>
+            <a:r>
+              <a:rPr lang="en-US" sz="1800" dirty="0"/>
+              <a:t>Lost, delayed or corrupted data are retransmitted</a:t>
+            </a:r>
+          </a:p>
+          <a:p>
+            <a:pPr lvl="1"/>
+            <a:r>
+              <a:rPr lang="en-US" sz="1800" dirty="0"/>
+              <a:t>Segment is retransmitted either when a retransmission timer expires or when sender receives three duplicate ACK’s</a:t>
+            </a:r>
+          </a:p>
+          <a:p>
+            <a:pPr lvl="2"/>
+            <a:r>
+              <a:rPr lang="en-US" sz="1800" dirty="0"/>
+              <a:t>Retransmission after RTO</a:t>
+            </a:r>
+          </a:p>
+          <a:p>
+            <a:pPr lvl="2"/>
+            <a:r>
+              <a:rPr lang="en-US" sz="1800" dirty="0"/>
+              <a:t>Retransmission after 3 duplicate ACK’s</a:t>
+            </a:r>
+          </a:p>
+          <a:p>
+            <a:pPr lvl="2"/>
+            <a:r>
+              <a:rPr lang="en-US" sz="1800" dirty="0"/>
+              <a:t>Out of order segments</a:t>
+            </a:r>
+          </a:p>
+          <a:p>
+            <a:endParaRPr lang="en-US" dirty="0"/>
+          </a:p>
+          <a:p>
+            <a:pPr marL="457200" lvl="1" indent="0">
+              <a:buNone/>
+            </a:pPr>
+            <a:endParaRPr lang="en-US" dirty="0"/>
+          </a:p>
+          <a:p>
+            <a:endParaRPr lang="en-US" dirty="0"/>
+          </a:p>
+        </p:txBody>
+      </p:sp>
+      <p:sp>
+        <p:nvSpPr>
+          <p:cNvPr id="4" name="Slide Number Placeholder 3"/>
+          <p:cNvSpPr>
+            <a:spLocks noGrp="1"/>
+          </p:cNvSpPr>
+          <p:nvPr>
+            <p:ph type="sldNum" sz="quarter" idx="12"/>
+          </p:nvPr>
+        </p:nvSpPr>
+        <p:spPr/>
+        <p:txBody>
+          <a:bodyPr/>
+          <a:lstStyle/>
+          <a:p>
+            <a:fld id="{7EA0B6BF-52FF-45C8-9CC2-14C7E267A420}" type="slidenum">
+              <a:rPr lang="en-US" smtClean="0"/>
+              <a:t>13</a:t>
+            </a:fld>
+            <a:endParaRPr lang="en-US"/>
+          </a:p>
+        </p:txBody>
+      </p:sp>
+    </p:spTree>
+    <p:extLst>
+      <p:ext uri="{BB962C8B-B14F-4D97-AF65-F5344CB8AC3E}">
+        <p14:creationId xmlns:p14="http://schemas.microsoft.com/office/powerpoint/2010/main" val="1791355438"/>
+      </p:ext>
+    </p:extLst>
+  </p:cSld>
+  <p:clrMapOvr>
+    <a:masterClrMapping/>
+  </p:clrMapOvr>
+</p:sld>
+</file>
+
+<file path=ppt/slides/slide14.xml><?xml version="1.0" encoding="utf-8"?>
+<p:sld xmlns:a="http://schemas.openxmlformats.org/drawingml/2006/main" xmlns:r="http://schemas.openxmlformats.org/officeDocument/2006/relationships" xmlns:p="http://schemas.openxmlformats.org/presentationml/2006/main">
+  <p:cSld>
+    <p:spTree>
+      <p:nvGrpSpPr>
+        <p:cNvPr id="1" name=""/>
+        <p:cNvGrpSpPr/>
+        <p:nvPr/>
+      </p:nvGrpSpPr>
+      <p:grpSpPr>
+        <a:xfrm>
+          <a:off x="0" y="0"/>
+          <a:ext cx="0" cy="0"/>
+          <a:chOff x="0" y="0"/>
+          <a:chExt cx="0" cy="0"/>
+        </a:xfrm>
+      </p:grpSpPr>
+      <p:sp>
+        <p:nvSpPr>
+          <p:cNvPr id="2" name="Title 1"/>
+          <p:cNvSpPr>
+            <a:spLocks noGrp="1"/>
+          </p:cNvSpPr>
+          <p:nvPr>
+            <p:ph type="title"/>
+          </p:nvPr>
+        </p:nvSpPr>
+        <p:spPr/>
+        <p:txBody>
+          <a:bodyPr/>
+          <a:lstStyle/>
+          <a:p>
+            <a:r>
+              <a:rPr lang="en-US" dirty="0" smtClean="0"/>
+              <a:t>References</a:t>
+            </a:r>
+            <a:endParaRPr lang="en-US" dirty="0"/>
+          </a:p>
+        </p:txBody>
+      </p:sp>
+      <p:sp>
+        <p:nvSpPr>
+          <p:cNvPr id="3" name="Content Placeholder 2"/>
+          <p:cNvSpPr>
+            <a:spLocks noGrp="1"/>
+          </p:cNvSpPr>
+          <p:nvPr>
+            <p:ph idx="1"/>
+          </p:nvPr>
+        </p:nvSpPr>
+        <p:spPr/>
+        <p:txBody>
+          <a:bodyPr/>
+          <a:lstStyle/>
+          <a:p>
+            <a:pPr>
+              <a:buFont typeface="+mj-lt"/>
+              <a:buAutoNum type="arabicPeriod"/>
+            </a:pPr>
+            <a:r>
+              <a:rPr lang="en-US" dirty="0">
+                <a:hlinkClick r:id="rId2"/>
+              </a:rPr>
+              <a:t>https://</a:t>
+            </a:r>
+            <a:r>
+              <a:rPr lang="en-US" dirty="0" smtClean="0">
+                <a:hlinkClick r:id="rId2"/>
+              </a:rPr>
+              <a:t>www.tutorialspoint.com/data_communication_computer_network/transmission_control_protocol.htm</a:t>
+            </a:r>
+            <a:endParaRPr lang="en-US" dirty="0" smtClean="0"/>
+          </a:p>
+          <a:p>
+            <a:pPr>
+              <a:buFont typeface="+mj-lt"/>
+              <a:buAutoNum type="arabicPeriod"/>
+            </a:pPr>
+            <a:r>
+              <a:rPr lang="en-US" dirty="0">
+                <a:hlinkClick r:id="rId3"/>
+              </a:rPr>
+              <a:t>https://</a:t>
+            </a:r>
+            <a:r>
+              <a:rPr lang="en-US" dirty="0" smtClean="0">
+                <a:hlinkClick r:id="rId3"/>
+              </a:rPr>
+              <a:t>www.slideshare.net/k33a/transmission-control-protocol-tcp-31902778</a:t>
+            </a:r>
+            <a:endParaRPr lang="en-US" dirty="0" smtClean="0"/>
+          </a:p>
+          <a:p>
+            <a:pPr>
+              <a:buFont typeface="+mj-lt"/>
+              <a:buAutoNum type="arabicPeriod"/>
+            </a:pPr>
+            <a:r>
+              <a:rPr lang="en-US" dirty="0"/>
+              <a:t>https://www.slideshare.net/k33a/transmission-control-protocol-tcp-31902778</a:t>
+            </a:r>
+          </a:p>
+        </p:txBody>
+      </p:sp>
+      <p:sp>
+        <p:nvSpPr>
+          <p:cNvPr id="4" name="Slide Number Placeholder 3"/>
+          <p:cNvSpPr>
+            <a:spLocks noGrp="1"/>
+          </p:cNvSpPr>
+          <p:nvPr>
+            <p:ph type="sldNum" sz="quarter" idx="12"/>
+          </p:nvPr>
+        </p:nvSpPr>
+        <p:spPr/>
+        <p:txBody>
+          <a:bodyPr/>
+          <a:lstStyle/>
+          <a:p>
+            <a:fld id="{7EA0B6BF-52FF-45C8-9CC2-14C7E267A420}" type="slidenum">
+              <a:rPr lang="en-US" smtClean="0"/>
+              <a:t>14</a:t>
+            </a:fld>
+            <a:endParaRPr lang="en-US"/>
+          </a:p>
+        </p:txBody>
+      </p:sp>
+    </p:spTree>
+    <p:extLst>
+      <p:ext uri="{BB962C8B-B14F-4D97-AF65-F5344CB8AC3E}">
+        <p14:creationId xmlns:p14="http://schemas.microsoft.com/office/powerpoint/2010/main" val="2655365593"/>
       </p:ext>
     </p:extLst>
   </p:cSld>
@@ -13857,32 +14673,47 @@
           <a:lstStyle/>
           <a:p>
             <a:r>
-              <a:rPr lang="en-US" dirty="0" smtClean="0"/>
+              <a:rPr lang="en-US" dirty="0"/>
               <a:t>Introduction to TCP</a:t>
             </a:r>
           </a:p>
           <a:p>
             <a:r>
-              <a:rPr lang="en-US" dirty="0" smtClean="0"/>
+              <a:rPr lang="en-US" dirty="0"/>
               <a:t>Features of TCP</a:t>
             </a:r>
           </a:p>
           <a:p>
             <a:r>
-              <a:rPr lang="en-US" dirty="0" smtClean="0"/>
+              <a:rPr lang="en-US" dirty="0"/>
               <a:t>TCP header</a:t>
             </a:r>
           </a:p>
           <a:p>
             <a:r>
-              <a:rPr lang="en-US" dirty="0" smtClean="0"/>
+              <a:rPr lang="en-US" dirty="0"/>
               <a:t>Connection management</a:t>
             </a:r>
           </a:p>
           <a:p>
-            <a:endParaRPr lang="en-US" dirty="0" smtClean="0"/>
-          </a:p>
-          <a:p>
+            <a:r>
+              <a:rPr lang="en-US" dirty="0"/>
+              <a:t>Flow control</a:t>
+            </a:r>
+          </a:p>
+          <a:p>
+            <a:r>
+              <a:rPr lang="en-US" dirty="0"/>
+              <a:t>Error control</a:t>
+            </a:r>
+          </a:p>
+          <a:p>
+            <a:endParaRPr lang="en-US" dirty="0"/>
+          </a:p>
+          <a:p>
+            <a:pPr marL="0" indent="0">
+              <a:buNone/>
+            </a:pPr>
             <a:endParaRPr lang="en-US" dirty="0"/>
           </a:p>
         </p:txBody>
@@ -14190,85 +15021,57 @@
           </a:bodyPr>
           <a:lstStyle/>
           <a:p>
-            <a:r>
-              <a:rPr lang="en-US" dirty="0" smtClean="0"/>
-              <a:t>Reliable  protocol</a:t>
-            </a:r>
-          </a:p>
-          <a:p>
-            <a:r>
-              <a:rPr lang="en-US" dirty="0" smtClean="0"/>
-              <a:t>Connection-oriented</a:t>
-            </a:r>
-          </a:p>
-          <a:p>
-            <a:r>
-              <a:rPr lang="en-US" dirty="0" smtClean="0"/>
-              <a:t>provides </a:t>
-            </a:r>
+            <a:pPr marL="0" indent="0">
+              <a:buNone/>
+            </a:pPr>
+            <a:endParaRPr lang="en-US" dirty="0"/>
+          </a:p>
+          <a:p>
             <a:r>
               <a:rPr lang="en-US" dirty="0"/>
-              <a:t>error-checking and recovery </a:t>
-            </a:r>
-            <a:r>
-              <a:rPr lang="en-US" dirty="0" smtClean="0"/>
-              <a:t>mechanism</a:t>
-            </a:r>
-          </a:p>
-          <a:p>
-            <a:r>
-              <a:rPr lang="en-US" dirty="0" smtClean="0"/>
-              <a:t>end-to-end </a:t>
-            </a:r>
+              <a:t>Numbering system</a:t>
+            </a:r>
+          </a:p>
+          <a:p>
             <a:r>
               <a:rPr lang="en-US" dirty="0"/>
-              <a:t>communication.</a:t>
-            </a:r>
-          </a:p>
-          <a:p>
-            <a:r>
-              <a:rPr lang="en-US" dirty="0" smtClean="0"/>
-              <a:t>provides </a:t>
-            </a:r>
+              <a:t>Sequence number</a:t>
+            </a:r>
+          </a:p>
+          <a:p>
             <a:r>
               <a:rPr lang="en-US" dirty="0"/>
-              <a:t>flow control and quality of service.</a:t>
-            </a:r>
-          </a:p>
-          <a:p>
-            <a:r>
-              <a:rPr lang="en-US" dirty="0" smtClean="0"/>
-              <a:t>operates </a:t>
-            </a:r>
+              <a:t>Acknowledgement number</a:t>
+            </a:r>
+          </a:p>
+          <a:p>
             <a:r>
               <a:rPr lang="en-US" dirty="0"/>
-              <a:t>in Client/Server point-to-point </a:t>
-            </a:r>
-            <a:r>
-              <a:rPr lang="en-US" dirty="0" smtClean="0"/>
-              <a:t>mode</a:t>
-            </a:r>
+              <a:t>Error control</a:t>
+            </a:r>
+          </a:p>
+          <a:p>
+            <a:r>
+              <a:rPr lang="en-US" dirty="0"/>
+              <a:t>Flow control</a:t>
+            </a:r>
+          </a:p>
+          <a:p>
+            <a:pPr marL="0" indent="0">
+              <a:buNone/>
+            </a:pPr>
             <a:endParaRPr lang="en-US" dirty="0"/>
           </a:p>
           <a:p>
-            <a:r>
-              <a:rPr lang="en-US" dirty="0" smtClean="0"/>
-              <a:t>provides </a:t>
-            </a:r>
-            <a:r>
-              <a:rPr lang="en-US" dirty="0"/>
-              <a:t>full duplex </a:t>
-            </a:r>
-            <a:r>
-              <a:rPr lang="en-US" dirty="0" smtClean="0"/>
-              <a:t>server</a:t>
-            </a:r>
             <a:endParaRPr lang="en-US" dirty="0"/>
           </a:p>
           <a:p>
-            <a:endParaRPr lang="en-US" dirty="0" smtClean="0"/>
-          </a:p>
-          <a:p>
+            <a:endParaRPr lang="en-US" dirty="0"/>
+          </a:p>
+          <a:p>
+            <a:pPr marL="0" indent="0">
+              <a:buNone/>
+            </a:pPr>
             <a:endParaRPr lang="en-US" dirty="0"/>
           </a:p>
         </p:txBody>
@@ -14317,6 +15120,134 @@
 </file>
 
 <file path=ppt/slides/slide5.xml><?xml version="1.0" encoding="utf-8"?>
+<p:sld xmlns:a="http://schemas.openxmlformats.org/drawingml/2006/main" xmlns:r="http://schemas.openxmlformats.org/officeDocument/2006/relationships" xmlns:p="http://schemas.openxmlformats.org/presentationml/2006/main">
+  <p:cSld>
+    <p:spTree>
+      <p:nvGrpSpPr>
+        <p:cNvPr id="1" name=""/>
+        <p:cNvGrpSpPr/>
+        <p:nvPr/>
+      </p:nvGrpSpPr>
+      <p:grpSpPr>
+        <a:xfrm>
+          <a:off x="0" y="0"/>
+          <a:ext cx="0" cy="0"/>
+          <a:chOff x="0" y="0"/>
+          <a:chExt cx="0" cy="0"/>
+        </a:xfrm>
+      </p:grpSpPr>
+      <p:sp>
+        <p:nvSpPr>
+          <p:cNvPr id="2" name="Title 1"/>
+          <p:cNvSpPr>
+            <a:spLocks noGrp="1"/>
+          </p:cNvSpPr>
+          <p:nvPr>
+            <p:ph type="title"/>
+          </p:nvPr>
+        </p:nvSpPr>
+        <p:spPr/>
+        <p:txBody>
+          <a:bodyPr/>
+          <a:lstStyle/>
+          <a:p>
+            <a:r>
+              <a:rPr lang="en-US" dirty="0" smtClean="0"/>
+              <a:t>Services</a:t>
+            </a:r>
+            <a:endParaRPr lang="en-US" dirty="0"/>
+          </a:p>
+        </p:txBody>
+      </p:sp>
+      <p:sp>
+        <p:nvSpPr>
+          <p:cNvPr id="3" name="Content Placeholder 2"/>
+          <p:cNvSpPr>
+            <a:spLocks noGrp="1"/>
+          </p:cNvSpPr>
+          <p:nvPr>
+            <p:ph idx="1"/>
+          </p:nvPr>
+        </p:nvSpPr>
+        <p:spPr/>
+        <p:txBody>
+          <a:bodyPr/>
+          <a:lstStyle/>
+          <a:p>
+            <a:r>
+              <a:rPr lang="en-US" dirty="0"/>
+              <a:t>Process to process communication</a:t>
+            </a:r>
+          </a:p>
+          <a:p>
+            <a:r>
+              <a:rPr lang="en-US" dirty="0"/>
+              <a:t>Stream delivery service</a:t>
+            </a:r>
+          </a:p>
+          <a:p>
+            <a:r>
+              <a:rPr lang="en-US" dirty="0"/>
+              <a:t>Full duplex-communication</a:t>
+            </a:r>
+          </a:p>
+          <a:p>
+            <a:r>
+              <a:rPr lang="en-US" dirty="0"/>
+              <a:t>Connection-oriented service</a:t>
+            </a:r>
+          </a:p>
+          <a:p>
+            <a:r>
+              <a:rPr lang="en-US" dirty="0"/>
+              <a:t>Reliable service</a:t>
+            </a:r>
+          </a:p>
+          <a:p>
+            <a:pPr marL="0" indent="0">
+              <a:buNone/>
+            </a:pPr>
+            <a:endParaRPr lang="en-US" dirty="0"/>
+          </a:p>
+        </p:txBody>
+      </p:sp>
+      <p:sp>
+        <p:nvSpPr>
+          <p:cNvPr id="4" name="Slide Number Placeholder 3"/>
+          <p:cNvSpPr>
+            <a:spLocks noGrp="1"/>
+          </p:cNvSpPr>
+          <p:nvPr>
+            <p:ph type="sldNum" sz="quarter" idx="12"/>
+          </p:nvPr>
+        </p:nvSpPr>
+        <p:spPr/>
+        <p:txBody>
+          <a:bodyPr/>
+          <a:lstStyle/>
+          <a:p>
+            <a:fld id="{7EA0B6BF-52FF-45C8-9CC2-14C7E267A420}" type="slidenum">
+              <a:rPr lang="en-US" smtClean="0"/>
+              <a:t>5</a:t>
+            </a:fld>
+            <a:endParaRPr lang="en-US"/>
+          </a:p>
+        </p:txBody>
+      </p:sp>
+    </p:spTree>
+    <p:extLst>
+      <p:ext uri="{BB962C8B-B14F-4D97-AF65-F5344CB8AC3E}">
+        <p14:creationId xmlns:p14="http://schemas.microsoft.com/office/powerpoint/2010/main" val="155606348"/>
+      </p:ext>
+    </p:extLst>
+  </p:cSld>
+  <p:clrMapOvr>
+    <a:masterClrMapping/>
+  </p:clrMapOvr>
+</p:sld>
+</file>
+
+<file path=ppt/slides/slide6.xml><?xml version="1.0" encoding="utf-8"?>
 <p:sld xmlns:a="http://schemas.openxmlformats.org/drawingml/2006/main" xmlns:r="http://schemas.openxmlformats.org/officeDocument/2006/relationships" xmlns:p="http://schemas.openxmlformats.org/presentationml/2006/main">
   <p:cSld>
     <p:spTree>
@@ -14415,7 +15346,7 @@
           <a:p>
             <a:fld id="{7EA0B6BF-52FF-45C8-9CC2-14C7E267A420}" type="slidenum">
               <a:rPr lang="en-US" smtClean="0"/>
-              <a:t>5</a:t>
+              <a:t>6</a:t>
             </a:fld>
             <a:endParaRPr lang="en-US"/>
           </a:p>
@@ -14441,7 +15372,7 @@
 </p:sld>
 </file>
 
-<file path=ppt/slides/slide6.xml><?xml version="1.0" encoding="utf-8"?>
+<file path=ppt/slides/slide7.xml><?xml version="1.0" encoding="utf-8"?>
 <p:sld xmlns:a="http://schemas.openxmlformats.org/drawingml/2006/main" xmlns:r="http://schemas.openxmlformats.org/officeDocument/2006/relationships" xmlns:p="http://schemas.openxmlformats.org/presentationml/2006/main">
   <p:cSld>
     <p:spTree>
@@ -14474,10 +15405,9 @@
           <a:lstStyle/>
           <a:p>
             <a:r>
-              <a:rPr lang="en-US" dirty="0" smtClean="0"/>
-              <a:t>Connection Management</a:t>
-            </a:r>
-            <a:endParaRPr lang="en-US" dirty="0"/>
+              <a:rPr lang="en-US" dirty="0"/>
+              <a:t>TCP connection</a:t>
+            </a:r>
           </a:p>
         </p:txBody>
       </p:sp>
@@ -14491,64 +15421,56 @@
             <p:ph idx="1"/>
           </p:nvPr>
         </p:nvSpPr>
-        <p:spPr>
-          <a:xfrm>
-            <a:off x="425003" y="2485622"/>
-            <a:ext cx="9927537" cy="4211391"/>
-          </a:xfrm>
-        </p:spPr>
+        <p:spPr/>
         <p:txBody>
           <a:bodyPr/>
           <a:lstStyle/>
           <a:p>
             <a:r>
               <a:rPr lang="en-US" dirty="0"/>
-              <a:t>works in Server/Client </a:t>
-            </a:r>
-            <a:r>
-              <a:rPr lang="en-US" dirty="0" smtClean="0"/>
-              <a:t>model</a:t>
+              <a:t>Establishes a virtual path between source and destination</a:t>
             </a:r>
           </a:p>
           <a:p>
             <a:r>
               <a:rPr lang="en-US" dirty="0"/>
-              <a:t>client initiates the </a:t>
-            </a:r>
-            <a:r>
-              <a:rPr lang="en-US" dirty="0" smtClean="0"/>
-              <a:t>connection</a:t>
-            </a:r>
-          </a:p>
-          <a:p>
-            <a:pPr marL="0" indent="0">
-              <a:buNone/>
-            </a:pPr>
-            <a:r>
-              <a:rPr lang="en-US" dirty="0" smtClean="0"/>
-              <a:t> </a:t>
-            </a:r>
+              <a:t>works in Server/Client model</a:t>
+            </a:r>
+          </a:p>
+          <a:p>
             <a:r>
               <a:rPr lang="en-US" dirty="0"/>
-              <a:t>and the server either accepts or rejects </a:t>
-            </a:r>
-            <a:r>
-              <a:rPr lang="en-US" dirty="0" smtClean="0"/>
-              <a:t>it</a:t>
+              <a:t>TCP uses the services of IP to deliver individual segments, but it controls the connection itself</a:t>
             </a:r>
           </a:p>
           <a:p>
             <a:r>
               <a:rPr lang="en-US" dirty="0"/>
-              <a:t>Three-way handshaking is used for </a:t>
-            </a:r>
-            <a:endParaRPr lang="en-US" dirty="0"/>
-          </a:p>
-          <a:p>
-            <a:r>
-              <a:rPr lang="en-US" dirty="0" smtClean="0"/>
-              <a:t>connection management</a:t>
-            </a:r>
+              <a:t>Transmission requires 3 phases</a:t>
+            </a:r>
+          </a:p>
+          <a:p>
+            <a:pPr lvl="1"/>
+            <a:r>
+              <a:rPr lang="en-US" sz="1800" dirty="0"/>
+              <a:t>Connection established</a:t>
+            </a:r>
+          </a:p>
+          <a:p>
+            <a:pPr lvl="1"/>
+            <a:r>
+              <a:rPr lang="en-US" sz="1800" dirty="0"/>
+              <a:t>Data transfer</a:t>
+            </a:r>
+          </a:p>
+          <a:p>
+            <a:pPr lvl="1"/>
+            <a:r>
+              <a:rPr lang="en-US" sz="1800" dirty="0"/>
+              <a:t>Connection termination</a:t>
+            </a:r>
+          </a:p>
+          <a:p>
             <a:endParaRPr lang="en-US" dirty="0"/>
           </a:p>
         </p:txBody>
@@ -14570,7 +15492,196 @@
           <a:p>
             <a:fld id="{7EA0B6BF-52FF-45C8-9CC2-14C7E267A420}" type="slidenum">
               <a:rPr lang="en-US" smtClean="0"/>
-              <a:t>6</a:t>
+              <a:t>7</a:t>
+            </a:fld>
+            <a:endParaRPr lang="en-US"/>
+          </a:p>
+        </p:txBody>
+      </p:sp>
+    </p:spTree>
+    <p:extLst>
+      <p:ext uri="{BB962C8B-B14F-4D97-AF65-F5344CB8AC3E}">
+        <p14:creationId xmlns:p14="http://schemas.microsoft.com/office/powerpoint/2010/main" val="2085198782"/>
+      </p:ext>
+    </p:extLst>
+  </p:cSld>
+  <p:clrMapOvr>
+    <a:masterClrMapping/>
+  </p:clrMapOvr>
+</p:sld>
+</file>
+
+<file path=ppt/slides/slide8.xml><?xml version="1.0" encoding="utf-8"?>
+<p:sld xmlns:a="http://schemas.openxmlformats.org/drawingml/2006/main" xmlns:r="http://schemas.openxmlformats.org/officeDocument/2006/relationships" xmlns:p="http://schemas.openxmlformats.org/presentationml/2006/main">
+  <p:cSld>
+    <p:spTree>
+      <p:nvGrpSpPr>
+        <p:cNvPr id="1" name=""/>
+        <p:cNvGrpSpPr/>
+        <p:nvPr/>
+      </p:nvGrpSpPr>
+      <p:grpSpPr>
+        <a:xfrm>
+          <a:off x="0" y="0"/>
+          <a:ext cx="0" cy="0"/>
+          <a:chOff x="0" y="0"/>
+          <a:chExt cx="0" cy="0"/>
+        </a:xfrm>
+      </p:grpSpPr>
+      <p:sp>
+        <p:nvSpPr>
+          <p:cNvPr id="2" name="Title 1"/>
+          <p:cNvSpPr>
+            <a:spLocks noGrp="1"/>
+          </p:cNvSpPr>
+          <p:nvPr>
+            <p:ph type="title"/>
+          </p:nvPr>
+        </p:nvSpPr>
+        <p:spPr/>
+        <p:txBody>
+          <a:bodyPr/>
+          <a:lstStyle/>
+          <a:p>
+            <a:r>
+              <a:rPr lang="en-US" dirty="0" smtClean="0"/>
+              <a:t>Connection Establishment</a:t>
+            </a:r>
+            <a:endParaRPr lang="en-US" dirty="0"/>
+          </a:p>
+        </p:txBody>
+      </p:sp>
+      <p:sp>
+        <p:nvSpPr>
+          <p:cNvPr id="3" name="Content Placeholder 2"/>
+          <p:cNvSpPr>
+            <a:spLocks noGrp="1"/>
+          </p:cNvSpPr>
+          <p:nvPr>
+            <p:ph idx="1"/>
+          </p:nvPr>
+        </p:nvSpPr>
+        <p:spPr>
+          <a:xfrm>
+            <a:off x="425003" y="2279562"/>
+            <a:ext cx="10869769" cy="4417452"/>
+          </a:xfrm>
+        </p:spPr>
+        <p:txBody>
+          <a:bodyPr/>
+          <a:lstStyle/>
+          <a:p>
+            <a:r>
+              <a:rPr lang="en-US" dirty="0"/>
+              <a:t>SYN: </a:t>
+            </a:r>
+          </a:p>
+          <a:p>
+            <a:pPr lvl="1"/>
+            <a:r>
+              <a:rPr lang="en-US" dirty="0"/>
+              <a:t>Synchronization of sequence no’s</a:t>
+            </a:r>
+          </a:p>
+          <a:p>
+            <a:pPr lvl="1"/>
+            <a:r>
+              <a:rPr lang="en-US" dirty="0"/>
+              <a:t>Consumes 1 sequence no </a:t>
+            </a:r>
+          </a:p>
+          <a:p>
+            <a:pPr lvl="1"/>
+            <a:r>
+              <a:rPr lang="en-US" dirty="0"/>
+              <a:t>Carries no real data	</a:t>
+            </a:r>
+          </a:p>
+          <a:p>
+            <a:r>
+              <a:rPr lang="en-US" dirty="0"/>
+              <a:t>SYN+ACK</a:t>
+            </a:r>
+          </a:p>
+          <a:p>
+            <a:pPr lvl="1"/>
+            <a:r>
+              <a:rPr lang="en-US" dirty="0"/>
+              <a:t>SYN segment for communication in other </a:t>
+            </a:r>
+          </a:p>
+          <a:p>
+            <a:pPr marL="347472" lvl="1" indent="0" algn="just">
+              <a:buNone/>
+              <a:defRPr/>
+            </a:pPr>
+            <a:r>
+              <a:rPr lang="en-US" dirty="0"/>
+              <a:t>direction and ACK for the received SYN,</a:t>
+            </a:r>
+          </a:p>
+          <a:p>
+            <a:pPr lvl="1"/>
+            <a:r>
+              <a:rPr lang="en-US" dirty="0"/>
+              <a:t>Consumes 1 sequence no</a:t>
+            </a:r>
+          </a:p>
+          <a:p>
+            <a:pPr marL="342900" lvl="1" indent="-342900"/>
+            <a:r>
+              <a:rPr lang="en-US" dirty="0"/>
+              <a:t>ACK</a:t>
+            </a:r>
+          </a:p>
+          <a:p>
+            <a:pPr marL="548640" lvl="1" indent="-201168" algn="just">
+              <a:buFont typeface="Verdana"/>
+              <a:buChar char="◦"/>
+              <a:defRPr/>
+            </a:pPr>
+            <a:r>
+              <a:rPr lang="en-US" dirty="0"/>
+              <a:t>Just an ACK segment</a:t>
+            </a:r>
+          </a:p>
+          <a:p>
+            <a:pPr marL="548640" lvl="1" indent="-201168" algn="just">
+              <a:buFont typeface="Verdana"/>
+              <a:buChar char="◦"/>
+              <a:defRPr/>
+            </a:pPr>
+            <a:r>
+              <a:rPr lang="en-US" dirty="0"/>
+              <a:t>Does not consume any sequence number</a:t>
+            </a:r>
+          </a:p>
+          <a:p>
+            <a:endParaRPr lang="en-US" dirty="0"/>
+          </a:p>
+          <a:p>
+            <a:endParaRPr lang="en-US" dirty="0"/>
+          </a:p>
+        </p:txBody>
+      </p:sp>
+      <p:sp>
+        <p:nvSpPr>
+          <p:cNvPr id="4" name="Slide Number Placeholder 3"/>
+          <p:cNvSpPr>
+            <a:spLocks noGrp="1"/>
+          </p:cNvSpPr>
+          <p:nvPr>
+            <p:ph type="sldNum" sz="quarter" idx="12"/>
+          </p:nvPr>
+        </p:nvSpPr>
+        <p:spPr/>
+        <p:txBody>
+          <a:bodyPr/>
+          <a:lstStyle/>
+          <a:p>
+            <a:fld id="{7EA0B6BF-52FF-45C8-9CC2-14C7E267A420}" type="slidenum">
+              <a:rPr lang="en-US" smtClean="0"/>
+              <a:t>8</a:t>
             </a:fld>
             <a:endParaRPr lang="en-US"/>
           </a:p>
@@ -14637,7 +15748,7 @@
 </p:sld>
 </file>
 
-<file path=ppt/slides/slide7.xml><?xml version="1.0" encoding="utf-8"?>
+<file path=ppt/slides/slide9.xml><?xml version="1.0" encoding="utf-8"?>
 <p:sld xmlns:a="http://schemas.openxmlformats.org/drawingml/2006/main" xmlns:r="http://schemas.openxmlformats.org/officeDocument/2006/relationships" xmlns:p="http://schemas.openxmlformats.org/presentationml/2006/main">
   <p:cSld>
     <p:spTree>
@@ -14671,8 +15782,102 @@
           <a:p>
             <a:r>
               <a:rPr lang="en-US" dirty="0" smtClean="0"/>
-              <a:t>Connection termination</a:t>
-            </a:r>
+              <a:t>Data Transfer</a:t>
+            </a:r>
+            <a:endParaRPr lang="en-US" dirty="0"/>
+          </a:p>
+        </p:txBody>
+      </p:sp>
+      <p:sp>
+        <p:nvSpPr>
+          <p:cNvPr id="3" name="Content Placeholder 2"/>
+          <p:cNvSpPr>
+            <a:spLocks noGrp="1"/>
+          </p:cNvSpPr>
+          <p:nvPr>
+            <p:ph idx="1"/>
+          </p:nvPr>
+        </p:nvSpPr>
+        <p:spPr>
+          <a:xfrm>
+            <a:off x="1004552" y="2343955"/>
+            <a:ext cx="9865217" cy="4159876"/>
+          </a:xfrm>
+        </p:spPr>
+        <p:txBody>
+          <a:bodyPr/>
+          <a:lstStyle/>
+          <a:p>
+            <a:r>
+              <a:rPr lang="en-US" dirty="0"/>
+              <a:t>Pushing data</a:t>
+            </a:r>
+          </a:p>
+          <a:p>
+            <a:pPr lvl="1"/>
+            <a:r>
+              <a:rPr lang="en-US" dirty="0"/>
+              <a:t>Increase efficiency of data</a:t>
+            </a:r>
+          </a:p>
+          <a:p>
+            <a:pPr lvl="1"/>
+            <a:r>
+              <a:rPr lang="en-US" dirty="0"/>
+              <a:t>Sending and receiving buffers the data</a:t>
+            </a:r>
+          </a:p>
+          <a:p>
+            <a:pPr lvl="1"/>
+            <a:r>
+              <a:rPr lang="en-US" dirty="0"/>
+              <a:t>Delivers to application program on ready</a:t>
+            </a:r>
+          </a:p>
+          <a:p>
+            <a:r>
+              <a:rPr lang="en-US" dirty="0"/>
+              <a:t>Urgent data</a:t>
+            </a:r>
+          </a:p>
+          <a:p>
+            <a:pPr lvl="1"/>
+            <a:r>
+              <a:rPr lang="en-US" dirty="0"/>
+              <a:t>Application program send urgent bytes</a:t>
+            </a:r>
+          </a:p>
+          <a:p>
+            <a:pPr lvl="1"/>
+            <a:r>
+              <a:rPr lang="en-US" dirty="0"/>
+              <a:t>Sending application program want a piece </a:t>
+            </a:r>
+          </a:p>
+          <a:p>
+            <a:pPr marL="457200" lvl="1" indent="0">
+              <a:buNone/>
+            </a:pPr>
+            <a:r>
+              <a:rPr lang="en-US" dirty="0"/>
+              <a:t>Of program to read out which is handled by </a:t>
+            </a:r>
+          </a:p>
+          <a:p>
+            <a:pPr marL="457200" lvl="1" indent="0">
+              <a:buNone/>
+            </a:pPr>
+            <a:r>
+              <a:rPr lang="en-US" dirty="0"/>
+              <a:t>URG </a:t>
+            </a:r>
+            <a:r>
+              <a:rPr lang="en-US" dirty="0" smtClean="0"/>
+              <a:t>bit </a:t>
+            </a:r>
+            <a:endParaRPr lang="en-US" dirty="0"/>
+          </a:p>
+          <a:p>
             <a:endParaRPr lang="en-US" dirty="0"/>
           </a:p>
         </p:txBody>
@@ -14694,7 +15899,7 @@
           <a:p>
             <a:fld id="{7EA0B6BF-52FF-45C8-9CC2-14C7E267A420}" type="slidenum">
               <a:rPr lang="en-US" smtClean="0"/>
-              <a:t>7</a:t>
+              <a:t>9</a:t>
             </a:fld>
             <a:endParaRPr lang="en-US"/>
           </a:p>
@@ -14702,13 +15907,11 @@
       </p:sp>
       <p:pic>
         <p:nvPicPr>
-          <p:cNvPr id="5" name="Content Placeholder 4" descr="2.PNG"/>
+          <p:cNvPr id="5" name="Content Placeholder 4"/>
           <p:cNvPicPr>
-            <a:picLocks noGrp="1" noChangeAspect="1"/>
+            <a:picLocks noChangeAspect="1"/>
           </p:cNvPicPr>
-          <p:nvPr>
-            <p:ph idx="1"/>
-          </p:nvPr>
+          <p:nvPr/>
         </p:nvPicPr>
         <p:blipFill>
           <a:blip r:embed="rId2">
@@ -14718,208 +15921,30 @@
               </a:ext>
             </a:extLst>
           </a:blip>
-          <a:srcRect/>
           <a:stretch>
             <a:fillRect/>
           </a:stretch>
         </p:blipFill>
-        <p:spPr bwMode="auto">
+        <p:spPr>
           <a:xfrm>
-            <a:off x="3142445" y="2603499"/>
-            <a:ext cx="5241701" cy="4080635"/>
+            <a:off x="6400800" y="2343955"/>
+            <a:ext cx="5525037" cy="4402608"/>
           </a:xfrm>
           <a:prstGeom prst="rect">
             <a:avLst/>
           </a:prstGeom>
-          <a:noFill/>
-          <a:ln>
-            <a:noFill/>
-          </a:ln>
-          <a:extLst>
-            <a:ext uri="{909E8E84-426E-40DD-AFC4-6F175D3DCCD1}">
-              <a14:hiddenFill xmlns:a14="http://schemas.microsoft.com/office/drawing/2010/main">
-                <a:solidFill>
-                  <a:srgbClr val="FFFFFF"/>
-                </a:solidFill>
-              </a14:hiddenFill>
-            </a:ext>
-            <a:ext uri="{91240B29-F687-4F45-9708-019B960494DF}">
-              <a14:hiddenLine xmlns:a14="http://schemas.microsoft.com/office/drawing/2010/main" w="9525">
-                <a:solidFill>
-                  <a:srgbClr val="000000"/>
-                </a:solidFill>
-                <a:miter lim="800000"/>
-                <a:headEnd/>
-                <a:tailEnd/>
-              </a14:hiddenLine>
-            </a:ext>
-          </a:extLst>
         </p:spPr>
       </p:pic>
     </p:spTree>
     <p:extLst>
       <p:ext uri="{BB962C8B-B14F-4D97-AF65-F5344CB8AC3E}">
-        <p14:creationId xmlns:p14="http://schemas.microsoft.com/office/powerpoint/2010/main" val="3899296776"/>
+        <p14:creationId xmlns:p14="http://schemas.microsoft.com/office/powerpoint/2010/main" val="2722542678"/>
       </p:ext>
     </p:extLst>
   </p:cSld>
   <p:clrMapOvr>
     <a:masterClrMapping/>
   </p:clrMapOvr>
-  <p:timing>
-    <p:tnLst>
-      <p:par>
-        <p:cTn id="1" dur="indefinite" restart="never" nodeType="tmRoot"/>
-      </p:par>
-    </p:tnLst>
-  </p:timing>
-</p:sld>
-</file>
-
-<file path=ppt/slides/slide8.xml><?xml version="1.0" encoding="utf-8"?>
-<p:sld xmlns:a="http://schemas.openxmlformats.org/drawingml/2006/main" xmlns:r="http://schemas.openxmlformats.org/officeDocument/2006/relationships" xmlns:p="http://schemas.openxmlformats.org/presentationml/2006/main">
-  <p:cSld>
-    <p:spTree>
-      <p:nvGrpSpPr>
-        <p:cNvPr id="1" name=""/>
-        <p:cNvGrpSpPr/>
-        <p:nvPr/>
-      </p:nvGrpSpPr>
-      <p:grpSpPr>
-        <a:xfrm>
-          <a:off x="0" y="0"/>
-          <a:ext cx="0" cy="0"/>
-          <a:chOff x="0" y="0"/>
-          <a:chExt cx="0" cy="0"/>
-        </a:xfrm>
-      </p:grpSpPr>
-      <p:sp>
-        <p:nvSpPr>
-          <p:cNvPr id="2" name="Title 1"/>
-          <p:cNvSpPr>
-            <a:spLocks noGrp="1"/>
-          </p:cNvSpPr>
-          <p:nvPr>
-            <p:ph type="title"/>
-          </p:nvPr>
-        </p:nvSpPr>
-        <p:spPr/>
-        <p:txBody>
-          <a:bodyPr/>
-          <a:lstStyle/>
-          <a:p>
-            <a:r>
-              <a:rPr lang="en-US" dirty="0" smtClean="0"/>
-              <a:t>References</a:t>
-            </a:r>
-            <a:endParaRPr lang="en-US" dirty="0"/>
-          </a:p>
-        </p:txBody>
-      </p:sp>
-      <p:sp>
-        <p:nvSpPr>
-          <p:cNvPr id="3" name="Content Placeholder 2"/>
-          <p:cNvSpPr>
-            <a:spLocks noGrp="1"/>
-          </p:cNvSpPr>
-          <p:nvPr>
-            <p:ph idx="1"/>
-          </p:nvPr>
-        </p:nvSpPr>
-        <p:spPr/>
-        <p:txBody>
-          <a:bodyPr/>
-          <a:lstStyle/>
-          <a:p>
-            <a:pPr>
-              <a:buFont typeface="+mj-lt"/>
-              <a:buAutoNum type="arabicPeriod"/>
-            </a:pPr>
-            <a:r>
-              <a:rPr lang="en-US" dirty="0">
-                <a:hlinkClick r:id="rId2"/>
-              </a:rPr>
-              <a:t>https://</a:t>
-            </a:r>
-            <a:r>
-              <a:rPr lang="en-US" dirty="0" smtClean="0">
-                <a:hlinkClick r:id="rId2"/>
-              </a:rPr>
-              <a:t>www.tutorialspoint.com/data_communication_computer_network/transmission_control_protocol.htm</a:t>
-            </a:r>
-            <a:endParaRPr lang="en-US" dirty="0" smtClean="0"/>
-          </a:p>
-          <a:p>
-            <a:pPr>
-              <a:buFont typeface="+mj-lt"/>
-              <a:buAutoNum type="arabicPeriod"/>
-            </a:pPr>
-            <a:r>
-              <a:rPr lang="en-US" dirty="0">
-                <a:hlinkClick r:id="rId3"/>
-              </a:rPr>
-              <a:t>https://</a:t>
-            </a:r>
-            <a:r>
-              <a:rPr lang="en-US" dirty="0" smtClean="0">
-                <a:hlinkClick r:id="rId3"/>
-              </a:rPr>
-              <a:t>www.slideshare.net/k33a/transmission-control-protocol-tcp-31902778</a:t>
-            </a:r>
-            <a:endParaRPr lang="en-US" dirty="0" smtClean="0"/>
-          </a:p>
-          <a:p>
-            <a:pPr>
-              <a:buFont typeface="+mj-lt"/>
-              <a:buAutoNum type="arabicPeriod"/>
-            </a:pPr>
-            <a:r>
-              <a:rPr lang="en-US" dirty="0"/>
-              <a:t>https://www.slideshare.net/k33a/transmission-control-protocol-tcp-31902778</a:t>
-            </a:r>
-          </a:p>
-        </p:txBody>
-      </p:sp>
-      <p:sp>
-        <p:nvSpPr>
-          <p:cNvPr id="4" name="Slide Number Placeholder 3"/>
-          <p:cNvSpPr>
-            <a:spLocks noGrp="1"/>
-          </p:cNvSpPr>
-          <p:nvPr>
-            <p:ph type="sldNum" sz="quarter" idx="12"/>
-          </p:nvPr>
-        </p:nvSpPr>
-        <p:spPr/>
-        <p:txBody>
-          <a:bodyPr/>
-          <a:lstStyle/>
-          <a:p>
-            <a:fld id="{7EA0B6BF-52FF-45C8-9CC2-14C7E267A420}" type="slidenum">
-              <a:rPr lang="en-US" smtClean="0"/>
-              <a:t>8</a:t>
-            </a:fld>
-            <a:endParaRPr lang="en-US"/>
-          </a:p>
-        </p:txBody>
-      </p:sp>
-    </p:spTree>
-    <p:extLst>
-      <p:ext uri="{BB962C8B-B14F-4D97-AF65-F5344CB8AC3E}">
-        <p14:creationId xmlns:p14="http://schemas.microsoft.com/office/powerpoint/2010/main" val="2655365593"/>
-      </p:ext>
-    </p:extLst>
-  </p:cSld>
-  <p:clrMapOvr>
-    <a:masterClrMapping/>
-  </p:clrMapOvr>
-  <p:timing>
-    <p:tnLst>
-      <p:par>
-        <p:cTn id="1" dur="indefinite" restart="never" nodeType="tmRoot"/>
-      </p:par>
-    </p:tnLst>
-  </p:timing>
 </p:sld>
 </file>
 
